--- a/lectures/lecture-27/draft.pptx
+++ b/lectures/lecture-27/draft.pptx
@@ -5,12 +5,16 @@
     <p:sldMasterId id="2147483696" r:id="rId1"/>
   </p:sldMasterIdLst>
   <p:notesMasterIdLst>
-    <p:notesMasterId r:id="rId5"/>
+    <p:notesMasterId r:id="rId9"/>
   </p:notesMasterIdLst>
   <p:sldIdLst>
     <p:sldId id="425" r:id="rId2"/>
     <p:sldId id="465" r:id="rId3"/>
-    <p:sldId id="466" r:id="rId4"/>
+    <p:sldId id="467" r:id="rId4"/>
+    <p:sldId id="468" r:id="rId5"/>
+    <p:sldId id="469" r:id="rId6"/>
+    <p:sldId id="470" r:id="rId7"/>
+    <p:sldId id="466" r:id="rId8"/>
   </p:sldIdLst>
   <p:sldSz cx="12192000" cy="6858000"/>
   <p:notesSz cx="6858000" cy="9144000"/>
@@ -199,7 +203,7 @@
           <a:p>
             <a:fld id="{9F16E362-832A-824E-B063-25F5DE831740}" type="datetimeFigureOut">
               <a:rPr lang="en-RU" smtClean="0"/>
-              <a:t>02.05.2022</a:t>
+              <a:t>15.05.2022</a:t>
             </a:fld>
             <a:endParaRPr lang="en-RU"/>
           </a:p>
@@ -681,7 +685,9 @@
           <a:bodyPr/>
           <a:lstStyle/>
           <a:p>
-            <a:endParaRPr lang="en-RU"/>
+            <a:endParaRPr lang="en-US" dirty="0">
+              <a:latin typeface="Helvetica" pitchFamily="2" charset="0"/>
+            </a:endParaRPr>
           </a:p>
         </p:txBody>
       </p:sp>
@@ -703,6 +709,348 @@
             <a:fld id="{45EAD37F-4CAA-4C4E-B967-8FF85B62072E}" type="slidenum">
               <a:rPr lang="en-RU" smtClean="0"/>
               <a:t>3</a:t>
+            </a:fld>
+            <a:endParaRPr lang="en-RU"/>
+          </a:p>
+        </p:txBody>
+      </p:sp>
+    </p:spTree>
+    <p:extLst>
+      <p:ext uri="{BB962C8B-B14F-4D97-AF65-F5344CB8AC3E}">
+        <p14:creationId xmlns:p14="http://schemas.microsoft.com/office/powerpoint/2010/main" val="1910089063"/>
+      </p:ext>
+    </p:extLst>
+  </p:cSld>
+  <p:clrMapOvr>
+    <a:masterClrMapping/>
+  </p:clrMapOvr>
+</p:notes>
+</file>
+
+<file path=ppt/notesSlides/notesSlide4.xml><?xml version="1.0" encoding="utf-8"?>
+<p:notes xmlns:a="http://schemas.openxmlformats.org/drawingml/2006/main" xmlns:r="http://schemas.openxmlformats.org/officeDocument/2006/relationships" xmlns:p="http://schemas.openxmlformats.org/presentationml/2006/main">
+  <p:cSld>
+    <p:spTree>
+      <p:nvGrpSpPr>
+        <p:cNvPr id="1" name=""/>
+        <p:cNvGrpSpPr/>
+        <p:nvPr/>
+      </p:nvGrpSpPr>
+      <p:grpSpPr>
+        <a:xfrm>
+          <a:off x="0" y="0"/>
+          <a:ext cx="0" cy="0"/>
+          <a:chOff x="0" y="0"/>
+          <a:chExt cx="0" cy="0"/>
+        </a:xfrm>
+      </p:grpSpPr>
+      <p:sp>
+        <p:nvSpPr>
+          <p:cNvPr id="2" name="Slide Image Placeholder 1"/>
+          <p:cNvSpPr>
+            <a:spLocks noGrp="1" noRot="1" noChangeAspect="1"/>
+          </p:cNvSpPr>
+          <p:nvPr>
+            <p:ph type="sldImg"/>
+          </p:nvPr>
+        </p:nvSpPr>
+        <p:spPr/>
+      </p:sp>
+      <p:sp>
+        <p:nvSpPr>
+          <p:cNvPr id="3" name="Notes Placeholder 2"/>
+          <p:cNvSpPr>
+            <a:spLocks noGrp="1"/>
+          </p:cNvSpPr>
+          <p:nvPr>
+            <p:ph type="body" idx="1"/>
+          </p:nvPr>
+        </p:nvSpPr>
+        <p:spPr/>
+        <p:txBody>
+          <a:bodyPr/>
+          <a:lstStyle/>
+          <a:p>
+            <a:endParaRPr lang="en-US" dirty="0">
+              <a:latin typeface="Helvetica" pitchFamily="2" charset="0"/>
+            </a:endParaRPr>
+          </a:p>
+        </p:txBody>
+      </p:sp>
+      <p:sp>
+        <p:nvSpPr>
+          <p:cNvPr id="4" name="Slide Number Placeholder 3"/>
+          <p:cNvSpPr>
+            <a:spLocks noGrp="1"/>
+          </p:cNvSpPr>
+          <p:nvPr>
+            <p:ph type="sldNum" sz="quarter" idx="5"/>
+          </p:nvPr>
+        </p:nvSpPr>
+        <p:spPr/>
+        <p:txBody>
+          <a:bodyPr/>
+          <a:lstStyle/>
+          <a:p>
+            <a:fld id="{45EAD37F-4CAA-4C4E-B967-8FF85B62072E}" type="slidenum">
+              <a:rPr lang="en-RU" smtClean="0"/>
+              <a:t>4</a:t>
+            </a:fld>
+            <a:endParaRPr lang="en-RU"/>
+          </a:p>
+        </p:txBody>
+      </p:sp>
+    </p:spTree>
+    <p:extLst>
+      <p:ext uri="{BB962C8B-B14F-4D97-AF65-F5344CB8AC3E}">
+        <p14:creationId xmlns:p14="http://schemas.microsoft.com/office/powerpoint/2010/main" val="2658323191"/>
+      </p:ext>
+    </p:extLst>
+  </p:cSld>
+  <p:clrMapOvr>
+    <a:masterClrMapping/>
+  </p:clrMapOvr>
+</p:notes>
+</file>
+
+<file path=ppt/notesSlides/notesSlide5.xml><?xml version="1.0" encoding="utf-8"?>
+<p:notes xmlns:a="http://schemas.openxmlformats.org/drawingml/2006/main" xmlns:r="http://schemas.openxmlformats.org/officeDocument/2006/relationships" xmlns:p="http://schemas.openxmlformats.org/presentationml/2006/main">
+  <p:cSld>
+    <p:spTree>
+      <p:nvGrpSpPr>
+        <p:cNvPr id="1" name=""/>
+        <p:cNvGrpSpPr/>
+        <p:nvPr/>
+      </p:nvGrpSpPr>
+      <p:grpSpPr>
+        <a:xfrm>
+          <a:off x="0" y="0"/>
+          <a:ext cx="0" cy="0"/>
+          <a:chOff x="0" y="0"/>
+          <a:chExt cx="0" cy="0"/>
+        </a:xfrm>
+      </p:grpSpPr>
+      <p:sp>
+        <p:nvSpPr>
+          <p:cNvPr id="2" name="Slide Image Placeholder 1"/>
+          <p:cNvSpPr>
+            <a:spLocks noGrp="1" noRot="1" noChangeAspect="1"/>
+          </p:cNvSpPr>
+          <p:nvPr>
+            <p:ph type="sldImg"/>
+          </p:nvPr>
+        </p:nvSpPr>
+        <p:spPr/>
+      </p:sp>
+      <p:sp>
+        <p:nvSpPr>
+          <p:cNvPr id="3" name="Notes Placeholder 2"/>
+          <p:cNvSpPr>
+            <a:spLocks noGrp="1"/>
+          </p:cNvSpPr>
+          <p:nvPr>
+            <p:ph type="body" idx="1"/>
+          </p:nvPr>
+        </p:nvSpPr>
+        <p:spPr/>
+        <p:txBody>
+          <a:bodyPr/>
+          <a:lstStyle/>
+          <a:p>
+            <a:endParaRPr lang="en-US" dirty="0">
+              <a:latin typeface="Helvetica" pitchFamily="2" charset="0"/>
+            </a:endParaRPr>
+          </a:p>
+        </p:txBody>
+      </p:sp>
+      <p:sp>
+        <p:nvSpPr>
+          <p:cNvPr id="4" name="Slide Number Placeholder 3"/>
+          <p:cNvSpPr>
+            <a:spLocks noGrp="1"/>
+          </p:cNvSpPr>
+          <p:nvPr>
+            <p:ph type="sldNum" sz="quarter" idx="5"/>
+          </p:nvPr>
+        </p:nvSpPr>
+        <p:spPr/>
+        <p:txBody>
+          <a:bodyPr/>
+          <a:lstStyle/>
+          <a:p>
+            <a:fld id="{45EAD37F-4CAA-4C4E-B967-8FF85B62072E}" type="slidenum">
+              <a:rPr lang="en-RU" smtClean="0"/>
+              <a:t>5</a:t>
+            </a:fld>
+            <a:endParaRPr lang="en-RU"/>
+          </a:p>
+        </p:txBody>
+      </p:sp>
+    </p:spTree>
+    <p:extLst>
+      <p:ext uri="{BB962C8B-B14F-4D97-AF65-F5344CB8AC3E}">
+        <p14:creationId xmlns:p14="http://schemas.microsoft.com/office/powerpoint/2010/main" val="4144728605"/>
+      </p:ext>
+    </p:extLst>
+  </p:cSld>
+  <p:clrMapOvr>
+    <a:masterClrMapping/>
+  </p:clrMapOvr>
+</p:notes>
+</file>
+
+<file path=ppt/notesSlides/notesSlide6.xml><?xml version="1.0" encoding="utf-8"?>
+<p:notes xmlns:a="http://schemas.openxmlformats.org/drawingml/2006/main" xmlns:r="http://schemas.openxmlformats.org/officeDocument/2006/relationships" xmlns:p="http://schemas.openxmlformats.org/presentationml/2006/main">
+  <p:cSld>
+    <p:spTree>
+      <p:nvGrpSpPr>
+        <p:cNvPr id="1" name=""/>
+        <p:cNvGrpSpPr/>
+        <p:nvPr/>
+      </p:nvGrpSpPr>
+      <p:grpSpPr>
+        <a:xfrm>
+          <a:off x="0" y="0"/>
+          <a:ext cx="0" cy="0"/>
+          <a:chOff x="0" y="0"/>
+          <a:chExt cx="0" cy="0"/>
+        </a:xfrm>
+      </p:grpSpPr>
+      <p:sp>
+        <p:nvSpPr>
+          <p:cNvPr id="2" name="Slide Image Placeholder 1"/>
+          <p:cNvSpPr>
+            <a:spLocks noGrp="1" noRot="1" noChangeAspect="1"/>
+          </p:cNvSpPr>
+          <p:nvPr>
+            <p:ph type="sldImg"/>
+          </p:nvPr>
+        </p:nvSpPr>
+        <p:spPr/>
+      </p:sp>
+      <p:sp>
+        <p:nvSpPr>
+          <p:cNvPr id="3" name="Notes Placeholder 2"/>
+          <p:cNvSpPr>
+            <a:spLocks noGrp="1"/>
+          </p:cNvSpPr>
+          <p:nvPr>
+            <p:ph type="body" idx="1"/>
+          </p:nvPr>
+        </p:nvSpPr>
+        <p:spPr/>
+        <p:txBody>
+          <a:bodyPr/>
+          <a:lstStyle/>
+          <a:p>
+            <a:endParaRPr lang="en-US" dirty="0">
+              <a:latin typeface="Helvetica" pitchFamily="2" charset="0"/>
+            </a:endParaRPr>
+          </a:p>
+        </p:txBody>
+      </p:sp>
+      <p:sp>
+        <p:nvSpPr>
+          <p:cNvPr id="4" name="Slide Number Placeholder 3"/>
+          <p:cNvSpPr>
+            <a:spLocks noGrp="1"/>
+          </p:cNvSpPr>
+          <p:nvPr>
+            <p:ph type="sldNum" sz="quarter" idx="5"/>
+          </p:nvPr>
+        </p:nvSpPr>
+        <p:spPr/>
+        <p:txBody>
+          <a:bodyPr/>
+          <a:lstStyle/>
+          <a:p>
+            <a:fld id="{45EAD37F-4CAA-4C4E-B967-8FF85B62072E}" type="slidenum">
+              <a:rPr lang="en-RU" smtClean="0"/>
+              <a:t>6</a:t>
+            </a:fld>
+            <a:endParaRPr lang="en-RU"/>
+          </a:p>
+        </p:txBody>
+      </p:sp>
+    </p:spTree>
+    <p:extLst>
+      <p:ext uri="{BB962C8B-B14F-4D97-AF65-F5344CB8AC3E}">
+        <p14:creationId xmlns:p14="http://schemas.microsoft.com/office/powerpoint/2010/main" val="3745157655"/>
+      </p:ext>
+    </p:extLst>
+  </p:cSld>
+  <p:clrMapOvr>
+    <a:masterClrMapping/>
+  </p:clrMapOvr>
+</p:notes>
+</file>
+
+<file path=ppt/notesSlides/notesSlide7.xml><?xml version="1.0" encoding="utf-8"?>
+<p:notes xmlns:a="http://schemas.openxmlformats.org/drawingml/2006/main" xmlns:r="http://schemas.openxmlformats.org/officeDocument/2006/relationships" xmlns:p="http://schemas.openxmlformats.org/presentationml/2006/main">
+  <p:cSld>
+    <p:spTree>
+      <p:nvGrpSpPr>
+        <p:cNvPr id="1" name=""/>
+        <p:cNvGrpSpPr/>
+        <p:nvPr/>
+      </p:nvGrpSpPr>
+      <p:grpSpPr>
+        <a:xfrm>
+          <a:off x="0" y="0"/>
+          <a:ext cx="0" cy="0"/>
+          <a:chOff x="0" y="0"/>
+          <a:chExt cx="0" cy="0"/>
+        </a:xfrm>
+      </p:grpSpPr>
+      <p:sp>
+        <p:nvSpPr>
+          <p:cNvPr id="2" name="Slide Image Placeholder 1"/>
+          <p:cNvSpPr>
+            <a:spLocks noGrp="1" noRot="1" noChangeAspect="1"/>
+          </p:cNvSpPr>
+          <p:nvPr>
+            <p:ph type="sldImg"/>
+          </p:nvPr>
+        </p:nvSpPr>
+        <p:spPr/>
+      </p:sp>
+      <p:sp>
+        <p:nvSpPr>
+          <p:cNvPr id="3" name="Notes Placeholder 2"/>
+          <p:cNvSpPr>
+            <a:spLocks noGrp="1"/>
+          </p:cNvSpPr>
+          <p:nvPr>
+            <p:ph type="body" idx="1"/>
+          </p:nvPr>
+        </p:nvSpPr>
+        <p:spPr/>
+        <p:txBody>
+          <a:bodyPr/>
+          <a:lstStyle/>
+          <a:p>
+            <a:endParaRPr lang="en-RU"/>
+          </a:p>
+        </p:txBody>
+      </p:sp>
+      <p:sp>
+        <p:nvSpPr>
+          <p:cNvPr id="4" name="Slide Number Placeholder 3"/>
+          <p:cNvSpPr>
+            <a:spLocks noGrp="1"/>
+          </p:cNvSpPr>
+          <p:nvPr>
+            <p:ph type="sldNum" sz="quarter" idx="5"/>
+          </p:nvPr>
+        </p:nvSpPr>
+        <p:spPr/>
+        <p:txBody>
+          <a:bodyPr/>
+          <a:lstStyle/>
+          <a:p>
+            <a:fld id="{45EAD37F-4CAA-4C4E-B967-8FF85B62072E}" type="slidenum">
+              <a:rPr lang="en-RU" smtClean="0"/>
+              <a:t>7</a:t>
             </a:fld>
             <a:endParaRPr lang="en-RU"/>
           </a:p>
@@ -2367,7 +2715,7 @@
           <a:p>
             <a:r>
               <a:rPr lang="en-US" dirty="0"/>
-              <a:t>Draft slide</a:t>
+              <a:t>Compile-time calculations</a:t>
             </a:r>
           </a:p>
         </p:txBody>
@@ -2418,10 +2766,38 @@
           </a:bodyPr>
           <a:lstStyle/>
           <a:p>
-            <a:pPr hangingPunct="0"/>
+            <a:pPr algn="ctr" hangingPunct="0"/>
+            <a:r>
+              <a:rPr lang="ru-RU" dirty="0"/>
+              <a:t>Для начала</a:t>
+            </a:r>
             <a:r>
               <a:rPr lang="en-US" dirty="0"/>
-              <a:t>This is a draft slide</a:t>
+              <a:t>, </a:t>
+            </a:r>
+            <a:r>
+              <a:rPr lang="ru-RU" dirty="0"/>
+              <a:t>определим</a:t>
+            </a:r>
+            <a:r>
+              <a:rPr lang="en-US" dirty="0"/>
+              <a:t>, </a:t>
+            </a:r>
+            <a:r>
+              <a:rPr lang="ru-RU" dirty="0"/>
+              <a:t>что же такое </a:t>
+            </a:r>
+            <a:r>
+              <a:rPr lang="en-US" dirty="0"/>
+              <a:t>compile-time </a:t>
+            </a:r>
+            <a:r>
+              <a:rPr lang="ru-RU" dirty="0"/>
+              <a:t>вычисление</a:t>
+            </a:r>
+            <a:r>
+              <a:rPr lang="en-US" dirty="0"/>
+              <a:t>:</a:t>
             </a:r>
             <a:endParaRPr kumimoji="0" lang="en-RU" sz="1800" b="0" i="0" u="none" strike="noStrike" cap="none" spc="0" normalizeH="0" baseline="0" dirty="0">
               <a:ln>
@@ -2455,6 +2831,996 @@
 </file>
 
 <file path=ppt/slides/slide3.xml><?xml version="1.0" encoding="utf-8"?>
+<p:sld xmlns:a="http://schemas.openxmlformats.org/drawingml/2006/main" xmlns:r="http://schemas.openxmlformats.org/officeDocument/2006/relationships" xmlns:p="http://schemas.openxmlformats.org/presentationml/2006/main">
+  <p:cSld>
+    <p:spTree>
+      <p:nvGrpSpPr>
+        <p:cNvPr id="1" name=""/>
+        <p:cNvGrpSpPr/>
+        <p:nvPr/>
+      </p:nvGrpSpPr>
+      <p:grpSpPr>
+        <a:xfrm>
+          <a:off x="0" y="0"/>
+          <a:ext cx="0" cy="0"/>
+          <a:chOff x="0" y="0"/>
+          <a:chExt cx="0" cy="0"/>
+        </a:xfrm>
+      </p:grpSpPr>
+      <p:sp>
+        <p:nvSpPr>
+          <p:cNvPr id="2" name="Text Placeholder 1">
+            <a:extLst>
+              <a:ext uri="{FF2B5EF4-FFF2-40B4-BE49-F238E27FC236}">
+                <a16:creationId xmlns:a16="http://schemas.microsoft.com/office/drawing/2014/main" id="{EE1642DD-3082-0146-B8C3-B7E8C1DFCC6A}"/>
+              </a:ext>
+            </a:extLst>
+          </p:cNvPr>
+          <p:cNvSpPr>
+            <a:spLocks noGrp="1"/>
+          </p:cNvSpPr>
+          <p:nvPr>
+            <p:ph type="body" sz="quarter" idx="13"/>
+          </p:nvPr>
+        </p:nvSpPr>
+        <p:spPr/>
+        <p:txBody>
+          <a:bodyPr>
+            <a:normAutofit fontScale="92500" lnSpcReduction="20000"/>
+          </a:bodyPr>
+          <a:lstStyle/>
+          <a:p>
+            <a:r>
+              <a:rPr lang="en-US" dirty="0"/>
+              <a:t>Compile-time calculations: if</a:t>
+            </a:r>
+          </a:p>
+        </p:txBody>
+      </p:sp>
+      <p:sp>
+        <p:nvSpPr>
+          <p:cNvPr id="7" name="TextBox 6">
+            <a:extLst>
+              <a:ext uri="{FF2B5EF4-FFF2-40B4-BE49-F238E27FC236}">
+                <a16:creationId xmlns:a16="http://schemas.microsoft.com/office/drawing/2014/main" id="{F3F2EFFF-0917-0E4B-8A4B-515BA38FD170}"/>
+              </a:ext>
+            </a:extLst>
+          </p:cNvPr>
+          <p:cNvSpPr txBox="1"/>
+          <p:nvPr/>
+        </p:nvSpPr>
+        <p:spPr>
+          <a:xfrm>
+            <a:off x="1232852" y="1782119"/>
+            <a:ext cx="9726295" cy="369330"/>
+          </a:xfrm>
+          <a:prstGeom prst="rect">
+            <a:avLst/>
+          </a:prstGeom>
+          <a:noFill/>
+          <a:ln w="12700" cap="flat">
+            <a:noFill/>
+            <a:miter lim="400000"/>
+          </a:ln>
+          <a:effectLst/>
+          <a:sp3d/>
+        </p:spPr>
+        <p:style>
+          <a:lnRef idx="0">
+            <a:scrgbClr r="0" g="0" b="0"/>
+          </a:lnRef>
+          <a:fillRef idx="0">
+            <a:scrgbClr r="0" g="0" b="0"/>
+          </a:fillRef>
+          <a:effectRef idx="0">
+            <a:scrgbClr r="0" g="0" b="0"/>
+          </a:effectRef>
+          <a:fontRef idx="none"/>
+        </p:style>
+        <p:txBody>
+          <a:bodyPr rot="0" spcFirstLastPara="1" vertOverflow="overflow" horzOverflow="overflow" vert="horz" wrap="square" lIns="45719" tIns="45719" rIns="45719" bIns="45719" numCol="1" spcCol="38100" rtlCol="0" anchor="t">
+            <a:spAutoFit/>
+          </a:bodyPr>
+          <a:lstStyle/>
+          <a:p>
+            <a:pPr algn="ctr" hangingPunct="0"/>
+            <a:r>
+              <a:rPr lang="ru-RU" dirty="0"/>
+              <a:t>Реализуем </a:t>
+            </a:r>
+            <a:r>
+              <a:rPr lang="en-US" dirty="0"/>
+              <a:t>compile-time if:</a:t>
+            </a:r>
+            <a:endParaRPr kumimoji="0" lang="en-RU" sz="1800" b="0" i="0" u="none" strike="noStrike" cap="none" spc="0" normalizeH="0" baseline="0" dirty="0">
+              <a:ln>
+                <a:noFill/>
+              </a:ln>
+              <a:solidFill>
+                <a:srgbClr val="323332"/>
+              </a:solidFill>
+              <a:effectLst/>
+              <a:uFillTx/>
+              <a:latin typeface="+mj-lt"/>
+              <a:ea typeface="+mj-ea"/>
+              <a:cs typeface="+mj-cs"/>
+              <a:sym typeface="Calibri"/>
+            </a:endParaRPr>
+          </a:p>
+        </p:txBody>
+      </p:sp>
+      <p:pic>
+        <p:nvPicPr>
+          <p:cNvPr id="5" name="Picture 4">
+            <a:extLst>
+              <a:ext uri="{FF2B5EF4-FFF2-40B4-BE49-F238E27FC236}">
+                <a16:creationId xmlns:a16="http://schemas.microsoft.com/office/drawing/2014/main" id="{2B36CAF6-A046-04B8-4A78-FD1B54354DBA}"/>
+              </a:ext>
+            </a:extLst>
+          </p:cNvPr>
+          <p:cNvPicPr>
+            <a:picLocks noChangeAspect="1"/>
+          </p:cNvPicPr>
+          <p:nvPr/>
+        </p:nvPicPr>
+        <p:blipFill>
+          <a:blip r:embed="rId3">
+            <a:extLst>
+              <a:ext uri="{28A0092B-C50C-407E-A947-70E740481C1C}">
+                <a14:useLocalDpi xmlns:a14="http://schemas.microsoft.com/office/drawing/2010/main" val="0"/>
+              </a:ext>
+            </a:extLst>
+          </a:blip>
+          <a:stretch>
+            <a:fillRect/>
+          </a:stretch>
+        </p:blipFill>
+        <p:spPr>
+          <a:xfrm>
+            <a:off x="1519882" y="2887019"/>
+            <a:ext cx="4178300" cy="1993900"/>
+          </a:xfrm>
+          <a:prstGeom prst="rect">
+            <a:avLst/>
+          </a:prstGeom>
+        </p:spPr>
+      </p:pic>
+      <p:pic>
+        <p:nvPicPr>
+          <p:cNvPr id="8" name="Picture 7">
+            <a:extLst>
+              <a:ext uri="{FF2B5EF4-FFF2-40B4-BE49-F238E27FC236}">
+                <a16:creationId xmlns:a16="http://schemas.microsoft.com/office/drawing/2014/main" id="{1E4E734A-929E-3CDB-A389-B316D5847706}"/>
+              </a:ext>
+            </a:extLst>
+          </p:cNvPr>
+          <p:cNvPicPr>
+            <a:picLocks noChangeAspect="1"/>
+          </p:cNvPicPr>
+          <p:nvPr/>
+        </p:nvPicPr>
+        <p:blipFill>
+          <a:blip r:embed="rId4">
+            <a:extLst>
+              <a:ext uri="{28A0092B-C50C-407E-A947-70E740481C1C}">
+                <a14:useLocalDpi xmlns:a14="http://schemas.microsoft.com/office/drawing/2010/main" val="0"/>
+              </a:ext>
+            </a:extLst>
+          </a:blip>
+          <a:stretch>
+            <a:fillRect/>
+          </a:stretch>
+        </p:blipFill>
+        <p:spPr>
+          <a:xfrm>
+            <a:off x="6493820" y="2620319"/>
+            <a:ext cx="3937000" cy="2527300"/>
+          </a:xfrm>
+          <a:prstGeom prst="rect">
+            <a:avLst/>
+          </a:prstGeom>
+        </p:spPr>
+      </p:pic>
+      <p:pic>
+        <p:nvPicPr>
+          <p:cNvPr id="10" name="Picture 9">
+            <a:extLst>
+              <a:ext uri="{FF2B5EF4-FFF2-40B4-BE49-F238E27FC236}">
+                <a16:creationId xmlns:a16="http://schemas.microsoft.com/office/drawing/2014/main" id="{F4F70117-B945-7843-0F19-7BB98D0CCEDC}"/>
+              </a:ext>
+            </a:extLst>
+          </p:cNvPr>
+          <p:cNvPicPr>
+            <a:picLocks noChangeAspect="1"/>
+          </p:cNvPicPr>
+          <p:nvPr/>
+        </p:nvPicPr>
+        <p:blipFill>
+          <a:blip r:embed="rId5">
+            <a:extLst>
+              <a:ext uri="{28A0092B-C50C-407E-A947-70E740481C1C}">
+                <a14:useLocalDpi xmlns:a14="http://schemas.microsoft.com/office/drawing/2010/main" val="0"/>
+              </a:ext>
+            </a:extLst>
+          </a:blip>
+          <a:stretch>
+            <a:fillRect/>
+          </a:stretch>
+        </p:blipFill>
+        <p:spPr>
+          <a:xfrm>
+            <a:off x="5571172" y="5719119"/>
+            <a:ext cx="825500" cy="609600"/>
+          </a:xfrm>
+          <a:prstGeom prst="rect">
+            <a:avLst/>
+          </a:prstGeom>
+        </p:spPr>
+      </p:pic>
+      <p:cxnSp>
+        <p:nvCxnSpPr>
+          <p:cNvPr id="12" name="Straight Arrow Connector 11">
+            <a:extLst>
+              <a:ext uri="{FF2B5EF4-FFF2-40B4-BE49-F238E27FC236}">
+                <a16:creationId xmlns:a16="http://schemas.microsoft.com/office/drawing/2014/main" id="{02126339-93F9-89F8-0A02-619959919AF6}"/>
+              </a:ext>
+            </a:extLst>
+          </p:cNvPr>
+          <p:cNvCxnSpPr>
+            <a:cxnSpLocks/>
+          </p:cNvCxnSpPr>
+          <p:nvPr/>
+        </p:nvCxnSpPr>
+        <p:spPr>
+          <a:xfrm flipH="1">
+            <a:off x="6722076" y="5239265"/>
+            <a:ext cx="1740244" cy="479854"/>
+          </a:xfrm>
+          <a:prstGeom prst="straightConnector1">
+            <a:avLst/>
+          </a:prstGeom>
+          <a:noFill/>
+          <a:ln w="12700" cap="flat">
+            <a:solidFill>
+              <a:schemeClr val="accent1"/>
+            </a:solidFill>
+            <a:prstDash val="solid"/>
+            <a:miter lim="800000"/>
+            <a:tailEnd type="triangle"/>
+          </a:ln>
+          <a:effectLst/>
+          <a:sp3d/>
+        </p:spPr>
+        <p:style>
+          <a:lnRef idx="0">
+            <a:scrgbClr r="0" g="0" b="0"/>
+          </a:lnRef>
+          <a:fillRef idx="0">
+            <a:scrgbClr r="0" g="0" b="0"/>
+          </a:fillRef>
+          <a:effectRef idx="0">
+            <a:scrgbClr r="0" g="0" b="0"/>
+          </a:effectRef>
+          <a:fontRef idx="none"/>
+        </p:style>
+      </p:cxnSp>
+      <p:cxnSp>
+        <p:nvCxnSpPr>
+          <p:cNvPr id="14" name="Straight Arrow Connector 13">
+            <a:extLst>
+              <a:ext uri="{FF2B5EF4-FFF2-40B4-BE49-F238E27FC236}">
+                <a16:creationId xmlns:a16="http://schemas.microsoft.com/office/drawing/2014/main" id="{F7EF046E-6C10-1F48-40AC-E98AA3DD3181}"/>
+              </a:ext>
+            </a:extLst>
+          </p:cNvPr>
+          <p:cNvCxnSpPr>
+            <a:cxnSpLocks/>
+          </p:cNvCxnSpPr>
+          <p:nvPr/>
+        </p:nvCxnSpPr>
+        <p:spPr>
+          <a:xfrm>
+            <a:off x="3756454" y="4992130"/>
+            <a:ext cx="1581665" cy="726989"/>
+          </a:xfrm>
+          <a:prstGeom prst="straightConnector1">
+            <a:avLst/>
+          </a:prstGeom>
+          <a:noFill/>
+          <a:ln w="12700" cap="flat">
+            <a:solidFill>
+              <a:schemeClr val="accent1"/>
+            </a:solidFill>
+            <a:prstDash val="solid"/>
+            <a:miter lim="800000"/>
+            <a:tailEnd type="triangle"/>
+          </a:ln>
+          <a:effectLst/>
+          <a:sp3d/>
+        </p:spPr>
+        <p:style>
+          <a:lnRef idx="0">
+            <a:scrgbClr r="0" g="0" b="0"/>
+          </a:lnRef>
+          <a:fillRef idx="0">
+            <a:scrgbClr r="0" g="0" b="0"/>
+          </a:fillRef>
+          <a:effectRef idx="0">
+            <a:scrgbClr r="0" g="0" b="0"/>
+          </a:effectRef>
+          <a:fontRef idx="none"/>
+        </p:style>
+      </p:cxnSp>
+    </p:spTree>
+    <p:extLst>
+      <p:ext uri="{BB962C8B-B14F-4D97-AF65-F5344CB8AC3E}">
+        <p14:creationId xmlns:p14="http://schemas.microsoft.com/office/powerpoint/2010/main" val="329444184"/>
+      </p:ext>
+    </p:extLst>
+  </p:cSld>
+  <p:clrMapOvr>
+    <a:masterClrMapping/>
+  </p:clrMapOvr>
+  <p:transition spd="med"/>
+</p:sld>
+</file>
+
+<file path=ppt/slides/slide4.xml><?xml version="1.0" encoding="utf-8"?>
+<p:sld xmlns:a="http://schemas.openxmlformats.org/drawingml/2006/main" xmlns:r="http://schemas.openxmlformats.org/officeDocument/2006/relationships" xmlns:p="http://schemas.openxmlformats.org/presentationml/2006/main">
+  <p:cSld>
+    <p:spTree>
+      <p:nvGrpSpPr>
+        <p:cNvPr id="1" name=""/>
+        <p:cNvGrpSpPr/>
+        <p:nvPr/>
+      </p:nvGrpSpPr>
+      <p:grpSpPr>
+        <a:xfrm>
+          <a:off x="0" y="0"/>
+          <a:ext cx="0" cy="0"/>
+          <a:chOff x="0" y="0"/>
+          <a:chExt cx="0" cy="0"/>
+        </a:xfrm>
+      </p:grpSpPr>
+      <p:sp>
+        <p:nvSpPr>
+          <p:cNvPr id="2" name="Text Placeholder 1">
+            <a:extLst>
+              <a:ext uri="{FF2B5EF4-FFF2-40B4-BE49-F238E27FC236}">
+                <a16:creationId xmlns:a16="http://schemas.microsoft.com/office/drawing/2014/main" id="{EE1642DD-3082-0146-B8C3-B7E8C1DFCC6A}"/>
+              </a:ext>
+            </a:extLst>
+          </p:cNvPr>
+          <p:cNvSpPr>
+            <a:spLocks noGrp="1"/>
+          </p:cNvSpPr>
+          <p:nvPr>
+            <p:ph type="body" sz="quarter" idx="13"/>
+          </p:nvPr>
+        </p:nvSpPr>
+        <p:spPr/>
+        <p:txBody>
+          <a:bodyPr>
+            <a:normAutofit fontScale="85000" lnSpcReduction="10000"/>
+          </a:bodyPr>
+          <a:lstStyle/>
+          <a:p>
+            <a:r>
+              <a:rPr lang="en-US" dirty="0"/>
+              <a:t>Compile-time calculations: Fibonacci sequence</a:t>
+            </a:r>
+          </a:p>
+        </p:txBody>
+      </p:sp>
+      <p:sp>
+        <p:nvSpPr>
+          <p:cNvPr id="7" name="TextBox 6">
+            <a:extLst>
+              <a:ext uri="{FF2B5EF4-FFF2-40B4-BE49-F238E27FC236}">
+                <a16:creationId xmlns:a16="http://schemas.microsoft.com/office/drawing/2014/main" id="{F3F2EFFF-0917-0E4B-8A4B-515BA38FD170}"/>
+              </a:ext>
+            </a:extLst>
+          </p:cNvPr>
+          <p:cNvSpPr txBox="1"/>
+          <p:nvPr/>
+        </p:nvSpPr>
+        <p:spPr>
+          <a:xfrm>
+            <a:off x="1232852" y="1528815"/>
+            <a:ext cx="9726295" cy="369330"/>
+          </a:xfrm>
+          <a:prstGeom prst="rect">
+            <a:avLst/>
+          </a:prstGeom>
+          <a:noFill/>
+          <a:ln w="12700" cap="flat">
+            <a:noFill/>
+            <a:miter lim="400000"/>
+          </a:ln>
+          <a:effectLst/>
+          <a:sp3d/>
+        </p:spPr>
+        <p:style>
+          <a:lnRef idx="0">
+            <a:scrgbClr r="0" g="0" b="0"/>
+          </a:lnRef>
+          <a:fillRef idx="0">
+            <a:scrgbClr r="0" g="0" b="0"/>
+          </a:fillRef>
+          <a:effectRef idx="0">
+            <a:scrgbClr r="0" g="0" b="0"/>
+          </a:effectRef>
+          <a:fontRef idx="none"/>
+        </p:style>
+        <p:txBody>
+          <a:bodyPr rot="0" spcFirstLastPara="1" vertOverflow="overflow" horzOverflow="overflow" vert="horz" wrap="square" lIns="45719" tIns="45719" rIns="45719" bIns="45719" numCol="1" spcCol="38100" rtlCol="0" anchor="t">
+            <a:spAutoFit/>
+          </a:bodyPr>
+          <a:lstStyle/>
+          <a:p>
+            <a:pPr algn="ctr" hangingPunct="0"/>
+            <a:r>
+              <a:rPr kumimoji="0" lang="ru-RU" sz="1800" b="0" i="0" u="none" strike="noStrike" cap="none" spc="0" normalizeH="0" baseline="0" dirty="0">
+                <a:ln>
+                  <a:noFill/>
+                </a:ln>
+                <a:solidFill>
+                  <a:srgbClr val="323332"/>
+                </a:solidFill>
+                <a:effectLst/>
+                <a:uFillTx/>
+                <a:latin typeface="+mj-lt"/>
+                <a:ea typeface="+mj-ea"/>
+                <a:cs typeface="+mj-cs"/>
+                <a:sym typeface="Calibri"/>
+              </a:rPr>
+              <a:t>Можно посчитать числа Фибоначчи на этапе компиляции</a:t>
+            </a:r>
+            <a:r>
+              <a:rPr kumimoji="0" lang="en-US" sz="1800" b="0" i="0" u="none" strike="noStrike" cap="none" spc="0" normalizeH="0" baseline="0" dirty="0">
+                <a:ln>
+                  <a:noFill/>
+                </a:ln>
+                <a:solidFill>
+                  <a:srgbClr val="323332"/>
+                </a:solidFill>
+                <a:effectLst/>
+                <a:uFillTx/>
+                <a:latin typeface="+mj-lt"/>
+                <a:ea typeface="+mj-ea"/>
+                <a:cs typeface="+mj-cs"/>
+                <a:sym typeface="Calibri"/>
+              </a:rPr>
+              <a:t>:</a:t>
+            </a:r>
+            <a:endParaRPr kumimoji="0" lang="en-RU" sz="1800" b="0" i="0" u="none" strike="noStrike" cap="none" spc="0" normalizeH="0" baseline="0" dirty="0">
+              <a:ln>
+                <a:noFill/>
+              </a:ln>
+              <a:solidFill>
+                <a:srgbClr val="323332"/>
+              </a:solidFill>
+              <a:effectLst/>
+              <a:uFillTx/>
+              <a:latin typeface="+mj-lt"/>
+              <a:ea typeface="+mj-ea"/>
+              <a:cs typeface="+mj-cs"/>
+              <a:sym typeface="Calibri"/>
+            </a:endParaRPr>
+          </a:p>
+        </p:txBody>
+      </p:sp>
+      <p:pic>
+        <p:nvPicPr>
+          <p:cNvPr id="4" name="Picture 3">
+            <a:extLst>
+              <a:ext uri="{FF2B5EF4-FFF2-40B4-BE49-F238E27FC236}">
+                <a16:creationId xmlns:a16="http://schemas.microsoft.com/office/drawing/2014/main" id="{E1987171-15C9-9CD9-E933-7815E8B87E4A}"/>
+              </a:ext>
+            </a:extLst>
+          </p:cNvPr>
+          <p:cNvPicPr>
+            <a:picLocks noChangeAspect="1"/>
+          </p:cNvPicPr>
+          <p:nvPr/>
+        </p:nvPicPr>
+        <p:blipFill>
+          <a:blip r:embed="rId3">
+            <a:extLst>
+              <a:ext uri="{28A0092B-C50C-407E-A947-70E740481C1C}">
+                <a14:useLocalDpi xmlns:a14="http://schemas.microsoft.com/office/drawing/2010/main" val="0"/>
+              </a:ext>
+            </a:extLst>
+          </a:blip>
+          <a:stretch>
+            <a:fillRect/>
+          </a:stretch>
+        </p:blipFill>
+        <p:spPr>
+          <a:xfrm>
+            <a:off x="2386828" y="2164864"/>
+            <a:ext cx="7194187" cy="3284533"/>
+          </a:xfrm>
+          <a:prstGeom prst="rect">
+            <a:avLst/>
+          </a:prstGeom>
+        </p:spPr>
+      </p:pic>
+      <p:pic>
+        <p:nvPicPr>
+          <p:cNvPr id="9" name="Picture 8">
+            <a:extLst>
+              <a:ext uri="{FF2B5EF4-FFF2-40B4-BE49-F238E27FC236}">
+                <a16:creationId xmlns:a16="http://schemas.microsoft.com/office/drawing/2014/main" id="{4D87C3E6-319B-3EF7-F1B2-DA51F4329568}"/>
+              </a:ext>
+            </a:extLst>
+          </p:cNvPr>
+          <p:cNvPicPr>
+            <a:picLocks noChangeAspect="1"/>
+          </p:cNvPicPr>
+          <p:nvPr/>
+        </p:nvPicPr>
+        <p:blipFill>
+          <a:blip r:embed="rId4">
+            <a:extLst>
+              <a:ext uri="{28A0092B-C50C-407E-A947-70E740481C1C}">
+                <a14:useLocalDpi xmlns:a14="http://schemas.microsoft.com/office/drawing/2010/main" val="0"/>
+              </a:ext>
+            </a:extLst>
+          </a:blip>
+          <a:stretch>
+            <a:fillRect/>
+          </a:stretch>
+        </p:blipFill>
+        <p:spPr>
+          <a:xfrm>
+            <a:off x="2386828" y="5613506"/>
+            <a:ext cx="4196852" cy="701145"/>
+          </a:xfrm>
+          <a:prstGeom prst="rect">
+            <a:avLst/>
+          </a:prstGeom>
+        </p:spPr>
+      </p:pic>
+      <p:pic>
+        <p:nvPicPr>
+          <p:cNvPr id="13" name="Picture 12">
+            <a:extLst>
+              <a:ext uri="{FF2B5EF4-FFF2-40B4-BE49-F238E27FC236}">
+                <a16:creationId xmlns:a16="http://schemas.microsoft.com/office/drawing/2014/main" id="{8A480AE8-3B94-91A5-5FEF-23045E993D55}"/>
+              </a:ext>
+            </a:extLst>
+          </p:cNvPr>
+          <p:cNvPicPr>
+            <a:picLocks noChangeAspect="1"/>
+          </p:cNvPicPr>
+          <p:nvPr/>
+        </p:nvPicPr>
+        <p:blipFill>
+          <a:blip r:embed="rId5">
+            <a:extLst>
+              <a:ext uri="{28A0092B-C50C-407E-A947-70E740481C1C}">
+                <a14:useLocalDpi xmlns:a14="http://schemas.microsoft.com/office/drawing/2010/main" val="0"/>
+              </a:ext>
+            </a:extLst>
+          </a:blip>
+          <a:stretch>
+            <a:fillRect/>
+          </a:stretch>
+        </p:blipFill>
+        <p:spPr>
+          <a:xfrm>
+            <a:off x="7652331" y="5792628"/>
+            <a:ext cx="495300" cy="342900"/>
+          </a:xfrm>
+          <a:prstGeom prst="rect">
+            <a:avLst/>
+          </a:prstGeom>
+        </p:spPr>
+      </p:pic>
+      <p:cxnSp>
+        <p:nvCxnSpPr>
+          <p:cNvPr id="16" name="Straight Arrow Connector 15">
+            <a:extLst>
+              <a:ext uri="{FF2B5EF4-FFF2-40B4-BE49-F238E27FC236}">
+                <a16:creationId xmlns:a16="http://schemas.microsoft.com/office/drawing/2014/main" id="{747C3E8F-F148-6F3B-8AF6-D4EDADEDC23B}"/>
+              </a:ext>
+            </a:extLst>
+          </p:cNvPr>
+          <p:cNvCxnSpPr>
+            <a:cxnSpLocks/>
+          </p:cNvCxnSpPr>
+          <p:nvPr/>
+        </p:nvCxnSpPr>
+        <p:spPr>
+          <a:xfrm>
+            <a:off x="6672648" y="5964078"/>
+            <a:ext cx="893184" cy="0"/>
+          </a:xfrm>
+          <a:prstGeom prst="straightConnector1">
+            <a:avLst/>
+          </a:prstGeom>
+          <a:noFill/>
+          <a:ln w="12700" cap="flat">
+            <a:solidFill>
+              <a:schemeClr val="accent1"/>
+            </a:solidFill>
+            <a:prstDash val="solid"/>
+            <a:miter lim="800000"/>
+            <a:tailEnd type="triangle"/>
+          </a:ln>
+          <a:effectLst/>
+          <a:sp3d/>
+        </p:spPr>
+        <p:style>
+          <a:lnRef idx="0">
+            <a:scrgbClr r="0" g="0" b="0"/>
+          </a:lnRef>
+          <a:fillRef idx="0">
+            <a:scrgbClr r="0" g="0" b="0"/>
+          </a:fillRef>
+          <a:effectRef idx="0">
+            <a:scrgbClr r="0" g="0" b="0"/>
+          </a:effectRef>
+          <a:fontRef idx="none"/>
+        </p:style>
+      </p:cxnSp>
+    </p:spTree>
+    <p:extLst>
+      <p:ext uri="{BB962C8B-B14F-4D97-AF65-F5344CB8AC3E}">
+        <p14:creationId xmlns:p14="http://schemas.microsoft.com/office/powerpoint/2010/main" val="2498275956"/>
+      </p:ext>
+    </p:extLst>
+  </p:cSld>
+  <p:clrMapOvr>
+    <a:masterClrMapping/>
+  </p:clrMapOvr>
+  <p:transition spd="med"/>
+</p:sld>
+</file>
+
+<file path=ppt/slides/slide5.xml><?xml version="1.0" encoding="utf-8"?>
+<p:sld xmlns:a="http://schemas.openxmlformats.org/drawingml/2006/main" xmlns:r="http://schemas.openxmlformats.org/officeDocument/2006/relationships" xmlns:p="http://schemas.openxmlformats.org/presentationml/2006/main">
+  <p:cSld>
+    <p:spTree>
+      <p:nvGrpSpPr>
+        <p:cNvPr id="1" name=""/>
+        <p:cNvGrpSpPr/>
+        <p:nvPr/>
+      </p:nvGrpSpPr>
+      <p:grpSpPr>
+        <a:xfrm>
+          <a:off x="0" y="0"/>
+          <a:ext cx="0" cy="0"/>
+          <a:chOff x="0" y="0"/>
+          <a:chExt cx="0" cy="0"/>
+        </a:xfrm>
+      </p:grpSpPr>
+      <p:sp>
+        <p:nvSpPr>
+          <p:cNvPr id="2" name="Text Placeholder 1">
+            <a:extLst>
+              <a:ext uri="{FF2B5EF4-FFF2-40B4-BE49-F238E27FC236}">
+                <a16:creationId xmlns:a16="http://schemas.microsoft.com/office/drawing/2014/main" id="{EE1642DD-3082-0146-B8C3-B7E8C1DFCC6A}"/>
+              </a:ext>
+            </a:extLst>
+          </p:cNvPr>
+          <p:cNvSpPr>
+            <a:spLocks noGrp="1"/>
+          </p:cNvSpPr>
+          <p:nvPr>
+            <p:ph type="body" sz="quarter" idx="13"/>
+          </p:nvPr>
+        </p:nvSpPr>
+        <p:spPr/>
+        <p:txBody>
+          <a:bodyPr>
+            <a:normAutofit fontScale="92500" lnSpcReduction="20000"/>
+          </a:bodyPr>
+          <a:lstStyle/>
+          <a:p>
+            <a:r>
+              <a:rPr lang="en-US" dirty="0"/>
+              <a:t>Static assert</a:t>
+            </a:r>
+          </a:p>
+        </p:txBody>
+      </p:sp>
+    </p:spTree>
+    <p:extLst>
+      <p:ext uri="{BB962C8B-B14F-4D97-AF65-F5344CB8AC3E}">
+        <p14:creationId xmlns:p14="http://schemas.microsoft.com/office/powerpoint/2010/main" val="3527062743"/>
+      </p:ext>
+    </p:extLst>
+  </p:cSld>
+  <p:clrMapOvr>
+    <a:masterClrMapping/>
+  </p:clrMapOvr>
+  <p:transition spd="med"/>
+</p:sld>
+</file>
+
+<file path=ppt/slides/slide6.xml><?xml version="1.0" encoding="utf-8"?>
+<p:sld xmlns:a="http://schemas.openxmlformats.org/drawingml/2006/main" xmlns:r="http://schemas.openxmlformats.org/officeDocument/2006/relationships" xmlns:p="http://schemas.openxmlformats.org/presentationml/2006/main">
+  <p:cSld>
+    <p:spTree>
+      <p:nvGrpSpPr>
+        <p:cNvPr id="1" name=""/>
+        <p:cNvGrpSpPr/>
+        <p:nvPr/>
+      </p:nvGrpSpPr>
+      <p:grpSpPr>
+        <a:xfrm>
+          <a:off x="0" y="0"/>
+          <a:ext cx="0" cy="0"/>
+          <a:chOff x="0" y="0"/>
+          <a:chExt cx="0" cy="0"/>
+        </a:xfrm>
+      </p:grpSpPr>
+      <p:sp>
+        <p:nvSpPr>
+          <p:cNvPr id="2" name="Text Placeholder 1">
+            <a:extLst>
+              <a:ext uri="{FF2B5EF4-FFF2-40B4-BE49-F238E27FC236}">
+                <a16:creationId xmlns:a16="http://schemas.microsoft.com/office/drawing/2014/main" id="{EE1642DD-3082-0146-B8C3-B7E8C1DFCC6A}"/>
+              </a:ext>
+            </a:extLst>
+          </p:cNvPr>
+          <p:cNvSpPr>
+            <a:spLocks noGrp="1"/>
+          </p:cNvSpPr>
+          <p:nvPr>
+            <p:ph type="body" sz="quarter" idx="13"/>
+          </p:nvPr>
+        </p:nvSpPr>
+        <p:spPr/>
+        <p:txBody>
+          <a:bodyPr>
+            <a:normAutofit fontScale="92500" lnSpcReduction="20000"/>
+          </a:bodyPr>
+          <a:lstStyle/>
+          <a:p>
+            <a:r>
+              <a:rPr lang="en-US" dirty="0" err="1"/>
+              <a:t>Constexpr</a:t>
+            </a:r>
+            <a:endParaRPr lang="en-US" dirty="0"/>
+          </a:p>
+        </p:txBody>
+      </p:sp>
+      <p:sp>
+        <p:nvSpPr>
+          <p:cNvPr id="3" name="TextBox 2">
+            <a:extLst>
+              <a:ext uri="{FF2B5EF4-FFF2-40B4-BE49-F238E27FC236}">
+                <a16:creationId xmlns:a16="http://schemas.microsoft.com/office/drawing/2014/main" id="{1E27668E-E6EF-B3D1-6F02-94E9797080A8}"/>
+              </a:ext>
+            </a:extLst>
+          </p:cNvPr>
+          <p:cNvSpPr txBox="1"/>
+          <p:nvPr/>
+        </p:nvSpPr>
+        <p:spPr>
+          <a:xfrm>
+            <a:off x="1804086" y="1989438"/>
+            <a:ext cx="6979666" cy="369330"/>
+          </a:xfrm>
+          <a:prstGeom prst="rect">
+            <a:avLst/>
+          </a:prstGeom>
+          <a:noFill/>
+          <a:ln w="12700" cap="flat">
+            <a:noFill/>
+            <a:miter lim="400000"/>
+          </a:ln>
+          <a:effectLst/>
+          <a:sp3d/>
+        </p:spPr>
+        <p:style>
+          <a:lnRef idx="0">
+            <a:scrgbClr r="0" g="0" b="0"/>
+          </a:lnRef>
+          <a:fillRef idx="0">
+            <a:scrgbClr r="0" g="0" b="0"/>
+          </a:fillRef>
+          <a:effectRef idx="0">
+            <a:scrgbClr r="0" g="0" b="0"/>
+          </a:effectRef>
+          <a:fontRef idx="none"/>
+        </p:style>
+        <p:txBody>
+          <a:bodyPr rot="0" spcFirstLastPara="1" vertOverflow="overflow" horzOverflow="overflow" vert="horz" wrap="none" lIns="45719" tIns="45719" rIns="45719" bIns="45719" numCol="1" spcCol="38100" rtlCol="0" anchor="t">
+            <a:spAutoFit/>
+          </a:bodyPr>
+          <a:lstStyle/>
+          <a:p>
+            <a:pPr marL="0" marR="0" indent="0" algn="l" defTabSz="914400" rtl="0" fontAlgn="auto" latinLnBrk="0" hangingPunct="0">
+              <a:lnSpc>
+                <a:spcPct val="100000"/>
+              </a:lnSpc>
+              <a:spcBef>
+                <a:spcPts val="0"/>
+              </a:spcBef>
+              <a:spcAft>
+                <a:spcPts val="0"/>
+              </a:spcAft>
+              <a:buClrTx/>
+              <a:buSzTx/>
+              <a:buFontTx/>
+              <a:buNone/>
+              <a:tabLst/>
+            </a:pPr>
+            <a:r>
+              <a:rPr kumimoji="0" lang="en-RU" sz="1800" b="0" i="0" u="none" strike="noStrike" cap="none" spc="0" normalizeH="0" baseline="0" dirty="0">
+                <a:ln>
+                  <a:noFill/>
+                </a:ln>
+                <a:solidFill>
+                  <a:srgbClr val="323332"/>
+                </a:solidFill>
+                <a:effectLst/>
+                <a:uFillTx/>
+                <a:latin typeface="+mj-lt"/>
+                <a:ea typeface="+mj-ea"/>
+                <a:cs typeface="+mj-cs"/>
+                <a:sym typeface="Calibri"/>
+              </a:rPr>
+              <a:t>const is an Implicit constexpr when its initialized with constant expression</a:t>
+            </a:r>
+          </a:p>
+        </p:txBody>
+      </p:sp>
+      <p:sp>
+        <p:nvSpPr>
+          <p:cNvPr id="4" name="TextBox 3">
+            <a:extLst>
+              <a:ext uri="{FF2B5EF4-FFF2-40B4-BE49-F238E27FC236}">
+                <a16:creationId xmlns:a16="http://schemas.microsoft.com/office/drawing/2014/main" id="{D8D68F7B-9949-E6B0-36DC-2FA7681CD2F1}"/>
+              </a:ext>
+            </a:extLst>
+          </p:cNvPr>
+          <p:cNvSpPr txBox="1"/>
+          <p:nvPr/>
+        </p:nvSpPr>
+        <p:spPr>
+          <a:xfrm>
+            <a:off x="494270" y="4646141"/>
+            <a:ext cx="6873546" cy="369330"/>
+          </a:xfrm>
+          <a:prstGeom prst="rect">
+            <a:avLst/>
+          </a:prstGeom>
+          <a:noFill/>
+          <a:ln w="12700" cap="flat">
+            <a:noFill/>
+            <a:miter lim="400000"/>
+          </a:ln>
+          <a:effectLst/>
+          <a:sp3d/>
+        </p:spPr>
+        <p:style>
+          <a:lnRef idx="0">
+            <a:scrgbClr r="0" g="0" b="0"/>
+          </a:lnRef>
+          <a:fillRef idx="0">
+            <a:scrgbClr r="0" g="0" b="0"/>
+          </a:fillRef>
+          <a:effectRef idx="0">
+            <a:scrgbClr r="0" g="0" b="0"/>
+          </a:effectRef>
+          <a:fontRef idx="none"/>
+        </p:style>
+        <p:txBody>
+          <a:bodyPr rot="0" spcFirstLastPara="1" vertOverflow="overflow" horzOverflow="overflow" vert="horz" wrap="none" lIns="45719" tIns="45719" rIns="45719" bIns="45719" numCol="1" spcCol="38100" rtlCol="0" anchor="t">
+            <a:spAutoFit/>
+          </a:bodyPr>
+          <a:lstStyle/>
+          <a:p>
+            <a:pPr hangingPunct="0"/>
+            <a:r>
+              <a:rPr lang="en-GB" dirty="0">
+                <a:solidFill>
+                  <a:srgbClr val="323332"/>
+                </a:solidFill>
+                <a:latin typeface="+mj-lt"/>
+                <a:ea typeface="+mj-ea"/>
+                <a:cs typeface="+mj-cs"/>
+                <a:sym typeface="Calibri"/>
+              </a:rPr>
+              <a:t>https://</a:t>
+            </a:r>
+            <a:r>
+              <a:rPr lang="en-GB" dirty="0" err="1">
+                <a:solidFill>
+                  <a:srgbClr val="323332"/>
+                </a:solidFill>
+                <a:latin typeface="+mj-lt"/>
+                <a:ea typeface="+mj-ea"/>
+                <a:cs typeface="+mj-cs"/>
+                <a:sym typeface="Calibri"/>
+              </a:rPr>
+              <a:t>www.youtube.com</a:t>
+            </a:r>
+            <a:r>
+              <a:rPr lang="en-GB" dirty="0">
+                <a:solidFill>
+                  <a:srgbClr val="323332"/>
+                </a:solidFill>
+                <a:latin typeface="+mj-lt"/>
+                <a:ea typeface="+mj-ea"/>
+                <a:cs typeface="+mj-cs"/>
+                <a:sym typeface="Calibri"/>
+              </a:rPr>
+              <a:t>/</a:t>
+            </a:r>
+            <a:r>
+              <a:rPr lang="en-GB" dirty="0" err="1">
+                <a:solidFill>
+                  <a:srgbClr val="323332"/>
+                </a:solidFill>
+                <a:latin typeface="+mj-lt"/>
+                <a:ea typeface="+mj-ea"/>
+                <a:cs typeface="+mj-cs"/>
+                <a:sym typeface="Calibri"/>
+              </a:rPr>
+              <a:t>watch?v</a:t>
+            </a:r>
+            <a:r>
+              <a:rPr lang="en-GB" dirty="0">
+                <a:solidFill>
+                  <a:srgbClr val="323332"/>
+                </a:solidFill>
+                <a:latin typeface="+mj-lt"/>
+                <a:ea typeface="+mj-ea"/>
+                <a:cs typeface="+mj-cs"/>
+                <a:sym typeface="Calibri"/>
+              </a:rPr>
+              <a:t>=tA6LbPyYdco&amp;ab_channel=</a:t>
+            </a:r>
+            <a:r>
+              <a:rPr lang="en-GB" dirty="0" err="1">
+                <a:solidFill>
+                  <a:srgbClr val="323332"/>
+                </a:solidFill>
+                <a:latin typeface="+mj-lt"/>
+                <a:ea typeface="+mj-ea"/>
+                <a:cs typeface="+mj-cs"/>
+                <a:sym typeface="Calibri"/>
+              </a:rPr>
+              <a:t>CppCon</a:t>
+            </a:r>
+            <a:endParaRPr kumimoji="0" lang="en-RU" sz="1800" b="0" i="0" u="none" strike="noStrike" cap="none" spc="0" normalizeH="0" baseline="0" dirty="0">
+              <a:ln>
+                <a:noFill/>
+              </a:ln>
+              <a:solidFill>
+                <a:srgbClr val="323332"/>
+              </a:solidFill>
+              <a:effectLst/>
+              <a:uFillTx/>
+              <a:latin typeface="+mj-lt"/>
+              <a:ea typeface="+mj-ea"/>
+              <a:cs typeface="+mj-cs"/>
+              <a:sym typeface="Calibri"/>
+            </a:endParaRPr>
+          </a:p>
+        </p:txBody>
+      </p:sp>
+    </p:spTree>
+    <p:extLst>
+      <p:ext uri="{BB962C8B-B14F-4D97-AF65-F5344CB8AC3E}">
+        <p14:creationId xmlns:p14="http://schemas.microsoft.com/office/powerpoint/2010/main" val="2276764666"/>
+      </p:ext>
+    </p:extLst>
+  </p:cSld>
+  <p:clrMapOvr>
+    <a:masterClrMapping/>
+  </p:clrMapOvr>
+  <p:transition spd="med"/>
+</p:sld>
+</file>
+
+<file path=ppt/slides/slide7.xml><?xml version="1.0" encoding="utf-8"?>
 <p:sld xmlns:a="http://schemas.openxmlformats.org/drawingml/2006/main" xmlns:r="http://schemas.openxmlformats.org/officeDocument/2006/relationships" xmlns:p="http://schemas.openxmlformats.org/presentationml/2006/main">
   <p:cSld>
     <p:spTree>
